--- a/study/courses/iis/IIS_lec_6.pptx
+++ b/study/courses/iis/IIS_lec_6.pptx
@@ -233,7 +233,7 @@
           <a:p>
             <a:fld id="{62782DC0-A7C2-4D6B-A659-1A08DD2913BE}" type="datetimeFigureOut">
               <a:rPr lang="ru-RU" smtClean="0"/>
-              <a:t>02.11.2017</a:t>
+              <a:t>03.11.2017</a:t>
             </a:fld>
             <a:endParaRPr lang="ru-RU"/>
           </a:p>
@@ -682,7 +682,7 @@
           <a:p>
             <a:fld id="{45A22731-384D-4614-90F0-A7C4445C0286}" type="datetime1">
               <a:rPr lang="ru-RU" smtClean="0"/>
-              <a:t>02.11.2017</a:t>
+              <a:t>03.11.2017</a:t>
             </a:fld>
             <a:endParaRPr lang="ru-RU"/>
           </a:p>
@@ -856,7 +856,7 @@
           <a:p>
             <a:fld id="{BC521BCA-673D-4BB5-AF18-6D8B9EB75D71}" type="datetime1">
               <a:rPr lang="ru-RU" smtClean="0"/>
-              <a:t>02.11.2017</a:t>
+              <a:t>03.11.2017</a:t>
             </a:fld>
             <a:endParaRPr lang="ru-RU"/>
           </a:p>
@@ -1040,7 +1040,7 @@
           <a:p>
             <a:fld id="{BBB21246-C48C-4877-B0C0-BF141933AE02}" type="datetime1">
               <a:rPr lang="ru-RU" smtClean="0"/>
-              <a:t>02.11.2017</a:t>
+              <a:t>03.11.2017</a:t>
             </a:fld>
             <a:endParaRPr lang="ru-RU"/>
           </a:p>
@@ -1214,7 +1214,7 @@
           <a:p>
             <a:fld id="{DB623000-0F97-42E0-89EC-0A41D7954ACD}" type="datetime1">
               <a:rPr lang="ru-RU" smtClean="0"/>
-              <a:t>02.11.2017</a:t>
+              <a:t>03.11.2017</a:t>
             </a:fld>
             <a:endParaRPr lang="ru-RU"/>
           </a:p>
@@ -1464,7 +1464,7 @@
           <a:p>
             <a:fld id="{3AF3FC51-B26A-439A-BFA1-B9817BBA6F2A}" type="datetime1">
               <a:rPr lang="ru-RU" smtClean="0"/>
-              <a:t>02.11.2017</a:t>
+              <a:t>03.11.2017</a:t>
             </a:fld>
             <a:endParaRPr lang="ru-RU"/>
           </a:p>
@@ -1756,7 +1756,7 @@
           <a:p>
             <a:fld id="{41E2DA4E-16D4-4250-B79E-2A00049319CE}" type="datetime1">
               <a:rPr lang="ru-RU" smtClean="0"/>
-              <a:t>02.11.2017</a:t>
+              <a:t>03.11.2017</a:t>
             </a:fld>
             <a:endParaRPr lang="ru-RU"/>
           </a:p>
@@ -2187,7 +2187,7 @@
           <a:p>
             <a:fld id="{F240F3B5-4146-468F-9A81-441332E78F98}" type="datetime1">
               <a:rPr lang="ru-RU" smtClean="0"/>
-              <a:t>02.11.2017</a:t>
+              <a:t>03.11.2017</a:t>
             </a:fld>
             <a:endParaRPr lang="ru-RU"/>
           </a:p>
@@ -2309,7 +2309,7 @@
           <a:p>
             <a:fld id="{642765C3-C02B-4865-965E-45D54BB6B06C}" type="datetime1">
               <a:rPr lang="ru-RU" smtClean="0"/>
-              <a:t>02.11.2017</a:t>
+              <a:t>03.11.2017</a:t>
             </a:fld>
             <a:endParaRPr lang="ru-RU"/>
           </a:p>
@@ -2408,7 +2408,7 @@
           <a:p>
             <a:fld id="{FC5E4B80-DAEE-4568-AAA6-A6422A4A9045}" type="datetime1">
               <a:rPr lang="ru-RU" smtClean="0"/>
-              <a:t>02.11.2017</a:t>
+              <a:t>03.11.2017</a:t>
             </a:fld>
             <a:endParaRPr lang="ru-RU"/>
           </a:p>
@@ -2689,7 +2689,7 @@
           <a:p>
             <a:fld id="{3E4F9634-1035-4E09-9E99-87FB4014131B}" type="datetime1">
               <a:rPr lang="ru-RU" smtClean="0"/>
-              <a:t>02.11.2017</a:t>
+              <a:t>03.11.2017</a:t>
             </a:fld>
             <a:endParaRPr lang="ru-RU"/>
           </a:p>
@@ -2946,7 +2946,7 @@
           <a:p>
             <a:fld id="{204C4CAA-9854-4B43-862B-95AD237E742A}" type="datetime1">
               <a:rPr lang="ru-RU" smtClean="0"/>
-              <a:t>02.11.2017</a:t>
+              <a:t>03.11.2017</a:t>
             </a:fld>
             <a:endParaRPr lang="ru-RU"/>
           </a:p>
@@ -3163,7 +3163,7 @@
           <a:p>
             <a:fld id="{9793EB70-923A-483B-822B-0E409CB5E742}" type="datetime1">
               <a:rPr lang="ru-RU" smtClean="0"/>
-              <a:t>02.11.2017</a:t>
+              <a:t>03.11.2017</a:t>
             </a:fld>
             <a:endParaRPr lang="ru-RU"/>
           </a:p>
@@ -4091,7 +4091,7 @@
           <a:graphicData uri="http://schemas.openxmlformats.org/presentationml/2006/ole">
             <mc:AlternateContent xmlns:mc="http://schemas.openxmlformats.org/markup-compatibility/2006">
               <mc:Choice xmlns:v="urn:schemas-microsoft-com:vml" Requires="v">
-                <p:oleObj spid="_x0000_s57399" name="Формула" r:id="rId3" imgW="1993680" imgH="457200" progId="Equation.3">
+                <p:oleObj spid="_x0000_s57415" name="Формула" r:id="rId3" imgW="1993680" imgH="457200" progId="Equation.3">
                   <p:embed/>
                 </p:oleObj>
               </mc:Choice>
@@ -4155,7 +4155,7 @@
           <a:graphicData uri="http://schemas.openxmlformats.org/presentationml/2006/ole">
             <mc:AlternateContent xmlns:mc="http://schemas.openxmlformats.org/markup-compatibility/2006">
               <mc:Choice xmlns:v="urn:schemas-microsoft-com:vml" Requires="v">
-                <p:oleObj spid="_x0000_s57400" name="Формула" r:id="rId5" imgW="1612800" imgH="457200" progId="Equation.3">
+                <p:oleObj spid="_x0000_s57416" name="Формула" r:id="rId5" imgW="1612800" imgH="457200" progId="Equation.3">
                   <p:embed/>
                 </p:oleObj>
               </mc:Choice>
@@ -4238,7 +4238,7 @@
           <a:graphicData uri="http://schemas.openxmlformats.org/presentationml/2006/ole">
             <mc:AlternateContent xmlns:mc="http://schemas.openxmlformats.org/markup-compatibility/2006">
               <mc:Choice xmlns:v="urn:schemas-microsoft-com:vml" Requires="v">
-                <p:oleObj spid="_x0000_s57401" name="Формула" r:id="rId7" imgW="190440" imgH="228600" progId="Equation.3">
+                <p:oleObj spid="_x0000_s57417" name="Формула" r:id="rId7" imgW="190440" imgH="228600" progId="Equation.3">
                   <p:embed/>
                 </p:oleObj>
               </mc:Choice>
@@ -4469,7 +4469,7 @@
           <a:graphicData uri="http://schemas.openxmlformats.org/presentationml/2006/ole">
             <mc:AlternateContent xmlns:mc="http://schemas.openxmlformats.org/markup-compatibility/2006">
               <mc:Choice xmlns:v="urn:schemas-microsoft-com:vml" Requires="v">
-                <p:oleObj spid="_x0000_s57402" name="Формула" r:id="rId9" imgW="977760" imgH="431640" progId="Equation.3">
+                <p:oleObj spid="_x0000_s57418" name="Формула" r:id="rId9" imgW="977760" imgH="431640" progId="Equation.3">
                   <p:embed/>
                 </p:oleObj>
               </mc:Choice>
@@ -5686,7 +5686,7 @@
           <a:graphicData uri="http://schemas.openxmlformats.org/presentationml/2006/ole">
             <mc:AlternateContent xmlns:mc="http://schemas.openxmlformats.org/markup-compatibility/2006">
               <mc:Choice xmlns:v="urn:schemas-microsoft-com:vml" Requires="v">
-                <p:oleObj spid="_x0000_s58384" name="Формула" r:id="rId4" imgW="583920" imgH="241200" progId="Equation.3">
+                <p:oleObj spid="_x0000_s58388" name="Формула" r:id="rId4" imgW="583920" imgH="241200" progId="Equation.3">
                   <p:embed/>
                 </p:oleObj>
               </mc:Choice>
@@ -13696,8 +13696,8 @@
           </p:sp>
         </mc:Fallback>
       </mc:AlternateContent>
-      <mc:AlternateContent xmlns:mc="http://schemas.openxmlformats.org/markup-compatibility/2006">
-        <mc:Choice xmlns:a14="http://schemas.microsoft.com/office/drawing/2010/main" Requires="a14">
+      <mc:AlternateContent xmlns:mc="http://schemas.openxmlformats.org/markup-compatibility/2006" xmlns:a14="http://schemas.microsoft.com/office/drawing/2010/main">
+        <mc:Choice Requires="a14">
           <p:sp>
             <p:nvSpPr>
               <p:cNvPr id="13" name="TextBox 12"/>
@@ -14105,7 +14105,7 @@
             </p:txBody>
           </p:sp>
         </mc:Choice>
-        <mc:Fallback>
+        <mc:Fallback xmlns="">
           <p:sp>
             <p:nvSpPr>
               <p:cNvPr id="13" name="TextBox 12"/>
@@ -14144,8 +14144,8 @@
           </p:sp>
         </mc:Fallback>
       </mc:AlternateContent>
-      <mc:AlternateContent xmlns:mc="http://schemas.openxmlformats.org/markup-compatibility/2006">
-        <mc:Choice xmlns:a14="http://schemas.microsoft.com/office/drawing/2010/main" Requires="a14">
+      <mc:AlternateContent xmlns:mc="http://schemas.openxmlformats.org/markup-compatibility/2006" xmlns:a14="http://schemas.microsoft.com/office/drawing/2010/main">
+        <mc:Choice Requires="a14">
           <p:sp>
             <p:nvSpPr>
               <p:cNvPr id="2" name="TextBox 1"/>
@@ -14252,19 +14252,7 @@
                             <a:rPr lang="en-US" b="0" i="1" smtClean="0">
                               <a:latin typeface="Cambria Math"/>
                             </a:rPr>
-                            <m:t>,</m:t>
-                          </m:r>
-                          <m:r>
-                            <a:rPr lang="en-US" b="0" i="1" smtClean="0">
-                              <a:latin typeface="Cambria Math"/>
-                            </a:rPr>
-                            <m:t>…</m:t>
-                          </m:r>
-                          <m:r>
-                            <a:rPr lang="en-US" b="0" i="1" smtClean="0">
-                              <a:latin typeface="Cambria Math"/>
-                            </a:rPr>
-                            <m:t>,</m:t>
+                            <m:t>,…,</m:t>
                           </m:r>
                           <m:sSub>
                             <m:sSubPr>
@@ -14899,7 +14887,7 @@
             </p:txBody>
           </p:sp>
         </mc:Choice>
-        <mc:Fallback>
+        <mc:Fallback xmlns="">
           <p:sp>
             <p:nvSpPr>
               <p:cNvPr id="2" name="TextBox 1"/>
@@ -16705,11 +16693,7 @@
             </a:r>
             <a:r>
               <a:rPr lang="ru-RU" dirty="0" smtClean="0"/>
-              <a:t> ситуации «плохой» </a:t>
-            </a:r>
-            <a:r>
-              <a:rPr lang="ru-RU" dirty="0" smtClean="0"/>
-              <a:t>кластеризации</a:t>
+              <a:t> ситуации «плохой» кластеризации</a:t>
             </a:r>
             <a:r>
               <a:rPr lang="en-US" dirty="0"/>
@@ -18672,7 +18656,7 @@
           <a:graphicData uri="http://schemas.openxmlformats.org/presentationml/2006/ole">
             <mc:AlternateContent xmlns:mc="http://schemas.openxmlformats.org/markup-compatibility/2006">
               <mc:Choice xmlns:v="urn:schemas-microsoft-com:vml" Requires="v">
-                <p:oleObj spid="_x0000_s56336" name="Формула" r:id="rId3" imgW="203040" imgH="253800" progId="Equation.3">
+                <p:oleObj spid="_x0000_s56340" name="Формула" r:id="rId3" imgW="203040" imgH="253800" progId="Equation.3">
                   <p:embed/>
                 </p:oleObj>
               </mc:Choice>
@@ -21603,7 +21587,7 @@
         <p:spPr>
           <a:xfrm>
             <a:off x="7086600" y="1765300"/>
-            <a:ext cx="1508939" cy="646331"/>
+            <a:ext cx="2017412" cy="646331"/>
           </a:xfrm>
           <a:prstGeom prst="rect">
             <a:avLst/>
@@ -21618,8 +21602,13 @@
           <a:p>
             <a:r>
               <a:rPr lang="ru-RU" dirty="0" smtClean="0"/>
-              <a:t>А – студентки</a:t>
-            </a:r>
+              <a:t>А – </a:t>
+            </a:r>
+            <a:r>
+              <a:rPr lang="ru-RU" dirty="0" smtClean="0"/>
+              <a:t>девушки</a:t>
+            </a:r>
+            <a:endParaRPr lang="ru-RU" dirty="0" smtClean="0"/>
           </a:p>
           <a:p>
             <a:r>
@@ -21628,7 +21617,11 @@
             </a:r>
             <a:r>
               <a:rPr lang="ru-RU" dirty="0" smtClean="0"/>
-              <a:t> - студенты</a:t>
+              <a:t> </a:t>
+            </a:r>
+            <a:r>
+              <a:rPr lang="ru-RU" dirty="0" smtClean="0"/>
+              <a:t>– молодые люди</a:t>
             </a:r>
             <a:endParaRPr lang="ru-RU" dirty="0"/>
           </a:p>

--- a/study/courses/iis/IIS_lec_6.pptx
+++ b/study/courses/iis/IIS_lec_6.pptx
@@ -134,7 +134,7 @@
   </p:defaultTextStyle>
   <p:extLst>
     <p:ext uri="{EFAFB233-063F-42B5-8137-9DF3F51BA10A}">
-      <p15:sldGuideLst xmlns="" xmlns:p15="http://schemas.microsoft.com/office/powerpoint/2012/main">
+      <p15:sldGuideLst xmlns:p15="http://schemas.microsoft.com/office/powerpoint/2012/main" xmlns="">
         <p15:guide id="1" orient="horz" pos="2160">
           <p15:clr>
             <a:srgbClr val="A4A3A4"/>
@@ -233,7 +233,7 @@
           <a:p>
             <a:fld id="{62782DC0-A7C2-4D6B-A659-1A08DD2913BE}" type="datetimeFigureOut">
               <a:rPr lang="ru-RU" smtClean="0"/>
-              <a:t>03.11.2017</a:t>
+              <a:t>25.10.2018</a:t>
             </a:fld>
             <a:endParaRPr lang="ru-RU"/>
           </a:p>
@@ -682,7 +682,7 @@
           <a:p>
             <a:fld id="{45A22731-384D-4614-90F0-A7C4445C0286}" type="datetime1">
               <a:rPr lang="ru-RU" smtClean="0"/>
-              <a:t>03.11.2017</a:t>
+              <a:t>25.10.2018</a:t>
             </a:fld>
             <a:endParaRPr lang="ru-RU"/>
           </a:p>
@@ -704,10 +704,22 @@
           <a:lstStyle/>
           <a:p>
             <a:r>
-              <a:rPr lang="ru-RU" smtClean="0"/>
-              <a:t>НИУ "МЭИ", Каф. УиИ, 2017</a:t>
-            </a:r>
-            <a:endParaRPr lang="ru-RU"/>
+              <a:rPr lang="ru-RU" dirty="0" smtClean="0"/>
+              <a:t>НИУ "МЭИ", Каф. </a:t>
+            </a:r>
+            <a:r>
+              <a:rPr lang="ru-RU" dirty="0" err="1" smtClean="0"/>
+              <a:t>УиИ</a:t>
+            </a:r>
+            <a:r>
+              <a:rPr lang="ru-RU" dirty="0" smtClean="0"/>
+              <a:t>, </a:t>
+            </a:r>
+            <a:r>
+              <a:rPr lang="ru-RU" dirty="0" smtClean="0"/>
+              <a:t>2018</a:t>
+            </a:r>
+            <a:endParaRPr lang="ru-RU" dirty="0"/>
           </a:p>
         </p:txBody>
       </p:sp>
@@ -856,7 +868,7 @@
           <a:p>
             <a:fld id="{BC521BCA-673D-4BB5-AF18-6D8B9EB75D71}" type="datetime1">
               <a:rPr lang="ru-RU" smtClean="0"/>
-              <a:t>03.11.2017</a:t>
+              <a:t>25.10.2018</a:t>
             </a:fld>
             <a:endParaRPr lang="ru-RU"/>
           </a:p>
@@ -878,10 +890,22 @@
           <a:lstStyle/>
           <a:p>
             <a:r>
-              <a:rPr lang="ru-RU" smtClean="0"/>
-              <a:t>НИУ "МЭИ", Каф. УиИ, 2017</a:t>
-            </a:r>
-            <a:endParaRPr lang="ru-RU"/>
+              <a:rPr lang="ru-RU" dirty="0" smtClean="0"/>
+              <a:t>НИУ "МЭИ", Каф. </a:t>
+            </a:r>
+            <a:r>
+              <a:rPr lang="ru-RU" dirty="0" err="1" smtClean="0"/>
+              <a:t>УиИ</a:t>
+            </a:r>
+            <a:r>
+              <a:rPr lang="ru-RU" dirty="0" smtClean="0"/>
+              <a:t>, </a:t>
+            </a:r>
+            <a:r>
+              <a:rPr lang="ru-RU" dirty="0" smtClean="0"/>
+              <a:t>2018</a:t>
+            </a:r>
+            <a:endParaRPr lang="ru-RU" dirty="0"/>
           </a:p>
         </p:txBody>
       </p:sp>
@@ -1040,7 +1064,7 @@
           <a:p>
             <a:fld id="{BBB21246-C48C-4877-B0C0-BF141933AE02}" type="datetime1">
               <a:rPr lang="ru-RU" smtClean="0"/>
-              <a:t>03.11.2017</a:t>
+              <a:t>25.10.2018</a:t>
             </a:fld>
             <a:endParaRPr lang="ru-RU"/>
           </a:p>
@@ -1062,10 +1086,22 @@
           <a:lstStyle/>
           <a:p>
             <a:r>
-              <a:rPr lang="ru-RU" smtClean="0"/>
-              <a:t>НИУ "МЭИ", Каф. УиИ, 2017</a:t>
-            </a:r>
-            <a:endParaRPr lang="ru-RU"/>
+              <a:rPr lang="ru-RU" dirty="0" smtClean="0"/>
+              <a:t>НИУ "МЭИ", Каф. </a:t>
+            </a:r>
+            <a:r>
+              <a:rPr lang="ru-RU" dirty="0" err="1" smtClean="0"/>
+              <a:t>УиИ</a:t>
+            </a:r>
+            <a:r>
+              <a:rPr lang="ru-RU" dirty="0" smtClean="0"/>
+              <a:t>, </a:t>
+            </a:r>
+            <a:r>
+              <a:rPr lang="ru-RU" dirty="0" smtClean="0"/>
+              <a:t>2018</a:t>
+            </a:r>
+            <a:endParaRPr lang="ru-RU" dirty="0"/>
           </a:p>
         </p:txBody>
       </p:sp>
@@ -1214,7 +1250,7 @@
           <a:p>
             <a:fld id="{DB623000-0F97-42E0-89EC-0A41D7954ACD}" type="datetime1">
               <a:rPr lang="ru-RU" smtClean="0"/>
-              <a:t>03.11.2017</a:t>
+              <a:t>25.10.2018</a:t>
             </a:fld>
             <a:endParaRPr lang="ru-RU"/>
           </a:p>
@@ -1236,10 +1272,22 @@
           <a:lstStyle/>
           <a:p>
             <a:r>
-              <a:rPr lang="ru-RU" smtClean="0"/>
-              <a:t>НИУ "МЭИ", Каф. УиИ, 2017</a:t>
-            </a:r>
-            <a:endParaRPr lang="ru-RU"/>
+              <a:rPr lang="ru-RU" dirty="0" smtClean="0"/>
+              <a:t>НИУ "МЭИ", Каф. </a:t>
+            </a:r>
+            <a:r>
+              <a:rPr lang="ru-RU" dirty="0" err="1" smtClean="0"/>
+              <a:t>УиИ</a:t>
+            </a:r>
+            <a:r>
+              <a:rPr lang="ru-RU" dirty="0" smtClean="0"/>
+              <a:t>, </a:t>
+            </a:r>
+            <a:r>
+              <a:rPr lang="ru-RU" dirty="0" smtClean="0"/>
+              <a:t>2018</a:t>
+            </a:r>
+            <a:endParaRPr lang="ru-RU" dirty="0"/>
           </a:p>
         </p:txBody>
       </p:sp>
@@ -1464,7 +1512,7 @@
           <a:p>
             <a:fld id="{3AF3FC51-B26A-439A-BFA1-B9817BBA6F2A}" type="datetime1">
               <a:rPr lang="ru-RU" smtClean="0"/>
-              <a:t>03.11.2017</a:t>
+              <a:t>25.10.2018</a:t>
             </a:fld>
             <a:endParaRPr lang="ru-RU"/>
           </a:p>
@@ -1486,10 +1534,22 @@
           <a:lstStyle/>
           <a:p>
             <a:r>
-              <a:rPr lang="ru-RU" smtClean="0"/>
-              <a:t>НИУ "МЭИ", Каф. УиИ, 2017</a:t>
-            </a:r>
-            <a:endParaRPr lang="ru-RU"/>
+              <a:rPr lang="ru-RU" dirty="0" smtClean="0"/>
+              <a:t>НИУ "МЭИ", Каф. </a:t>
+            </a:r>
+            <a:r>
+              <a:rPr lang="ru-RU" dirty="0" err="1" smtClean="0"/>
+              <a:t>УиИ</a:t>
+            </a:r>
+            <a:r>
+              <a:rPr lang="ru-RU" dirty="0" smtClean="0"/>
+              <a:t>, </a:t>
+            </a:r>
+            <a:r>
+              <a:rPr lang="ru-RU" dirty="0" smtClean="0"/>
+              <a:t>2018</a:t>
+            </a:r>
+            <a:endParaRPr lang="ru-RU" dirty="0"/>
           </a:p>
         </p:txBody>
       </p:sp>
@@ -1756,7 +1816,7 @@
           <a:p>
             <a:fld id="{41E2DA4E-16D4-4250-B79E-2A00049319CE}" type="datetime1">
               <a:rPr lang="ru-RU" smtClean="0"/>
-              <a:t>03.11.2017</a:t>
+              <a:t>25.10.2018</a:t>
             </a:fld>
             <a:endParaRPr lang="ru-RU"/>
           </a:p>
@@ -1778,10 +1838,22 @@
           <a:lstStyle/>
           <a:p>
             <a:r>
-              <a:rPr lang="ru-RU" smtClean="0"/>
-              <a:t>НИУ "МЭИ", Каф. УиИ, 2017</a:t>
-            </a:r>
-            <a:endParaRPr lang="ru-RU"/>
+              <a:rPr lang="ru-RU" dirty="0" smtClean="0"/>
+              <a:t>НИУ "МЭИ", Каф. </a:t>
+            </a:r>
+            <a:r>
+              <a:rPr lang="ru-RU" dirty="0" err="1" smtClean="0"/>
+              <a:t>УиИ</a:t>
+            </a:r>
+            <a:r>
+              <a:rPr lang="ru-RU" dirty="0" smtClean="0"/>
+              <a:t>, </a:t>
+            </a:r>
+            <a:r>
+              <a:rPr lang="ru-RU" dirty="0" smtClean="0"/>
+              <a:t>2018</a:t>
+            </a:r>
+            <a:endParaRPr lang="ru-RU" dirty="0"/>
           </a:p>
         </p:txBody>
       </p:sp>
@@ -2187,7 +2259,7 @@
           <a:p>
             <a:fld id="{F240F3B5-4146-468F-9A81-441332E78F98}" type="datetime1">
               <a:rPr lang="ru-RU" smtClean="0"/>
-              <a:t>03.11.2017</a:t>
+              <a:t>25.10.2018</a:t>
             </a:fld>
             <a:endParaRPr lang="ru-RU"/>
           </a:p>
@@ -2209,10 +2281,22 @@
           <a:lstStyle/>
           <a:p>
             <a:r>
-              <a:rPr lang="ru-RU" smtClean="0"/>
-              <a:t>НИУ "МЭИ", Каф. УиИ, 2017</a:t>
-            </a:r>
-            <a:endParaRPr lang="ru-RU"/>
+              <a:rPr lang="ru-RU" dirty="0" smtClean="0"/>
+              <a:t>НИУ "МЭИ", Каф. </a:t>
+            </a:r>
+            <a:r>
+              <a:rPr lang="ru-RU" dirty="0" err="1" smtClean="0"/>
+              <a:t>УиИ</a:t>
+            </a:r>
+            <a:r>
+              <a:rPr lang="ru-RU" dirty="0" smtClean="0"/>
+              <a:t>, </a:t>
+            </a:r>
+            <a:r>
+              <a:rPr lang="ru-RU" dirty="0" smtClean="0"/>
+              <a:t>2018</a:t>
+            </a:r>
+            <a:endParaRPr lang="ru-RU" dirty="0"/>
           </a:p>
         </p:txBody>
       </p:sp>
@@ -2309,7 +2393,7 @@
           <a:p>
             <a:fld id="{642765C3-C02B-4865-965E-45D54BB6B06C}" type="datetime1">
               <a:rPr lang="ru-RU" smtClean="0"/>
-              <a:t>03.11.2017</a:t>
+              <a:t>25.10.2018</a:t>
             </a:fld>
             <a:endParaRPr lang="ru-RU"/>
           </a:p>
@@ -2331,10 +2415,22 @@
           <a:lstStyle/>
           <a:p>
             <a:r>
-              <a:rPr lang="ru-RU" smtClean="0"/>
-              <a:t>НИУ "МЭИ", Каф. УиИ, 2017</a:t>
-            </a:r>
-            <a:endParaRPr lang="ru-RU"/>
+              <a:rPr lang="ru-RU" dirty="0" smtClean="0"/>
+              <a:t>НИУ "МЭИ", Каф. </a:t>
+            </a:r>
+            <a:r>
+              <a:rPr lang="ru-RU" dirty="0" err="1" smtClean="0"/>
+              <a:t>УиИ</a:t>
+            </a:r>
+            <a:r>
+              <a:rPr lang="ru-RU" dirty="0" smtClean="0"/>
+              <a:t>, </a:t>
+            </a:r>
+            <a:r>
+              <a:rPr lang="ru-RU" dirty="0" smtClean="0"/>
+              <a:t>2018</a:t>
+            </a:r>
+            <a:endParaRPr lang="ru-RU" dirty="0"/>
           </a:p>
         </p:txBody>
       </p:sp>
@@ -2408,7 +2504,7 @@
           <a:p>
             <a:fld id="{FC5E4B80-DAEE-4568-AAA6-A6422A4A9045}" type="datetime1">
               <a:rPr lang="ru-RU" smtClean="0"/>
-              <a:t>03.11.2017</a:t>
+              <a:t>25.10.2018</a:t>
             </a:fld>
             <a:endParaRPr lang="ru-RU"/>
           </a:p>
@@ -2430,10 +2526,22 @@
           <a:lstStyle/>
           <a:p>
             <a:r>
-              <a:rPr lang="ru-RU" smtClean="0"/>
-              <a:t>НИУ "МЭИ", Каф. УиИ, 2017</a:t>
-            </a:r>
-            <a:endParaRPr lang="ru-RU"/>
+              <a:rPr lang="ru-RU" dirty="0" smtClean="0"/>
+              <a:t>НИУ "МЭИ", Каф. </a:t>
+            </a:r>
+            <a:r>
+              <a:rPr lang="ru-RU" dirty="0" err="1" smtClean="0"/>
+              <a:t>УиИ</a:t>
+            </a:r>
+            <a:r>
+              <a:rPr lang="ru-RU" dirty="0" smtClean="0"/>
+              <a:t>, </a:t>
+            </a:r>
+            <a:r>
+              <a:rPr lang="ru-RU" dirty="0" smtClean="0"/>
+              <a:t>2018</a:t>
+            </a:r>
+            <a:endParaRPr lang="ru-RU" dirty="0"/>
           </a:p>
         </p:txBody>
       </p:sp>
@@ -2689,7 +2797,7 @@
           <a:p>
             <a:fld id="{3E4F9634-1035-4E09-9E99-87FB4014131B}" type="datetime1">
               <a:rPr lang="ru-RU" smtClean="0"/>
-              <a:t>03.11.2017</a:t>
+              <a:t>25.10.2018</a:t>
             </a:fld>
             <a:endParaRPr lang="ru-RU"/>
           </a:p>
@@ -2711,10 +2819,22 @@
           <a:lstStyle/>
           <a:p>
             <a:r>
-              <a:rPr lang="ru-RU" smtClean="0"/>
-              <a:t>НИУ "МЭИ", Каф. УиИ, 2017</a:t>
-            </a:r>
-            <a:endParaRPr lang="ru-RU"/>
+              <a:rPr lang="ru-RU" dirty="0" smtClean="0"/>
+              <a:t>НИУ "МЭИ", Каф. </a:t>
+            </a:r>
+            <a:r>
+              <a:rPr lang="ru-RU" dirty="0" err="1" smtClean="0"/>
+              <a:t>УиИ</a:t>
+            </a:r>
+            <a:r>
+              <a:rPr lang="ru-RU" dirty="0" smtClean="0"/>
+              <a:t>, </a:t>
+            </a:r>
+            <a:r>
+              <a:rPr lang="ru-RU" dirty="0" smtClean="0"/>
+              <a:t>2018</a:t>
+            </a:r>
+            <a:endParaRPr lang="ru-RU" dirty="0"/>
           </a:p>
         </p:txBody>
       </p:sp>
@@ -2946,7 +3066,7 @@
           <a:p>
             <a:fld id="{204C4CAA-9854-4B43-862B-95AD237E742A}" type="datetime1">
               <a:rPr lang="ru-RU" smtClean="0"/>
-              <a:t>03.11.2017</a:t>
+              <a:t>25.10.2018</a:t>
             </a:fld>
             <a:endParaRPr lang="ru-RU"/>
           </a:p>
@@ -2968,10 +3088,22 @@
           <a:lstStyle/>
           <a:p>
             <a:r>
-              <a:rPr lang="ru-RU" smtClean="0"/>
-              <a:t>НИУ "МЭИ", Каф. УиИ, 2017</a:t>
-            </a:r>
-            <a:endParaRPr lang="ru-RU"/>
+              <a:rPr lang="ru-RU" dirty="0" smtClean="0"/>
+              <a:t>НИУ "МЭИ", Каф. </a:t>
+            </a:r>
+            <a:r>
+              <a:rPr lang="ru-RU" dirty="0" err="1" smtClean="0"/>
+              <a:t>УиИ</a:t>
+            </a:r>
+            <a:r>
+              <a:rPr lang="ru-RU" dirty="0" smtClean="0"/>
+              <a:t>, </a:t>
+            </a:r>
+            <a:r>
+              <a:rPr lang="ru-RU" dirty="0" smtClean="0"/>
+              <a:t>2018</a:t>
+            </a:r>
+            <a:endParaRPr lang="ru-RU" dirty="0"/>
           </a:p>
         </p:txBody>
       </p:sp>
@@ -3163,7 +3295,7 @@
           <a:p>
             <a:fld id="{9793EB70-923A-483B-822B-0E409CB5E742}" type="datetime1">
               <a:rPr lang="ru-RU" smtClean="0"/>
-              <a:t>03.11.2017</a:t>
+              <a:t>25.10.2018</a:t>
             </a:fld>
             <a:endParaRPr lang="ru-RU"/>
           </a:p>
@@ -3203,10 +3335,22 @@
           </a:lstStyle>
           <a:p>
             <a:r>
-              <a:rPr lang="ru-RU" smtClean="0"/>
-              <a:t>НИУ "МЭИ", Каф. УиИ, 2017</a:t>
-            </a:r>
-            <a:endParaRPr lang="ru-RU"/>
+              <a:rPr lang="ru-RU" dirty="0" smtClean="0"/>
+              <a:t>НИУ "МЭИ", Каф. </a:t>
+            </a:r>
+            <a:r>
+              <a:rPr lang="ru-RU" dirty="0" err="1" smtClean="0"/>
+              <a:t>УиИ</a:t>
+            </a:r>
+            <a:r>
+              <a:rPr lang="ru-RU" dirty="0" smtClean="0"/>
+              <a:t>, </a:t>
+            </a:r>
+            <a:r>
+              <a:rPr lang="ru-RU" dirty="0" smtClean="0"/>
+              <a:t>2018</a:t>
+            </a:r>
+            <a:endParaRPr lang="ru-RU" dirty="0"/>
           </a:p>
         </p:txBody>
       </p:sp>
@@ -3630,7 +3774,15 @@
             </a:pPr>
             <a:r>
               <a:rPr lang="ru-RU" dirty="0" smtClean="0"/>
-              <a:t>Осень 2017 г.</a:t>
+              <a:t>Осень </a:t>
+            </a:r>
+            <a:r>
+              <a:rPr lang="ru-RU" dirty="0" smtClean="0"/>
+              <a:t>2018 </a:t>
+            </a:r>
+            <a:r>
+              <a:rPr lang="ru-RU" dirty="0" smtClean="0"/>
+              <a:t>г.</a:t>
             </a:r>
             <a:endParaRPr lang="ru-RU" dirty="0"/>
           </a:p>
@@ -3652,10 +3804,22 @@
           <a:lstStyle/>
           <a:p>
             <a:r>
-              <a:rPr lang="ru-RU" smtClean="0"/>
-              <a:t>НИУ "МЭИ", Каф. УиИ, 2017</a:t>
-            </a:r>
-            <a:endParaRPr lang="ru-RU"/>
+              <a:rPr lang="ru-RU" dirty="0" smtClean="0"/>
+              <a:t>НИУ "МЭИ", Каф. </a:t>
+            </a:r>
+            <a:r>
+              <a:rPr lang="ru-RU" dirty="0" err="1" smtClean="0"/>
+              <a:t>УиИ</a:t>
+            </a:r>
+            <a:r>
+              <a:rPr lang="ru-RU" dirty="0" smtClean="0"/>
+              <a:t>, </a:t>
+            </a:r>
+            <a:r>
+              <a:rPr lang="ru-RU" dirty="0" smtClean="0"/>
+              <a:t>2018</a:t>
+            </a:r>
+            <a:endParaRPr lang="ru-RU" dirty="0"/>
           </a:p>
         </p:txBody>
       </p:sp>
@@ -3731,7 +3895,7 @@
         </p:nvSpPr>
         <p:spPr>
           <a:xfrm>
-            <a:off x="246744" y="-48531"/>
+            <a:off x="239483" y="-100880"/>
             <a:ext cx="11713034" cy="694418"/>
           </a:xfrm>
         </p:spPr>
@@ -3788,7 +3952,11 @@
             </a:r>
             <a:r>
               <a:rPr lang="ru-RU" dirty="0" smtClean="0"/>
-              <a:t>, 2017</a:t>
+              <a:t>, </a:t>
+            </a:r>
+            <a:r>
+              <a:rPr lang="ru-RU" dirty="0" smtClean="0"/>
+              <a:t>2018</a:t>
             </a:r>
             <a:endParaRPr lang="ru-RU" dirty="0"/>
           </a:p>
@@ -4091,7 +4259,7 @@
           <a:graphicData uri="http://schemas.openxmlformats.org/presentationml/2006/ole">
             <mc:AlternateContent xmlns:mc="http://schemas.openxmlformats.org/markup-compatibility/2006">
               <mc:Choice xmlns:v="urn:schemas-microsoft-com:vml" Requires="v">
-                <p:oleObj spid="_x0000_s57415" name="Формула" r:id="rId3" imgW="1993680" imgH="457200" progId="Equation.3">
+                <p:oleObj spid="_x0000_s57427" name="Формула" r:id="rId3" imgW="1993680" imgH="457200" progId="Equation.3">
                   <p:embed/>
                 </p:oleObj>
               </mc:Choice>
@@ -4142,20 +4310,20 @@
           <p:nvPr>
             <p:extLst>
               <p:ext uri="{D42A27DB-BD31-4B8C-83A1-F6EECF244321}">
-                <p14:modId xmlns:p14="http://schemas.microsoft.com/office/powerpoint/2010/main" val="2370059083"/>
+                <p14:modId xmlns:p14="http://schemas.microsoft.com/office/powerpoint/2010/main" val="1250686990"/>
               </p:ext>
             </p:extLst>
           </p:nvPr>
         </p:nvGraphicFramePr>
         <p:xfrm>
-          <a:off x="900113" y="2935288"/>
+          <a:off x="900113" y="2288938"/>
           <a:ext cx="3522662" cy="993775"/>
         </p:xfrm>
         <a:graphic>
           <a:graphicData uri="http://schemas.openxmlformats.org/presentationml/2006/ole">
             <mc:AlternateContent xmlns:mc="http://schemas.openxmlformats.org/markup-compatibility/2006">
               <mc:Choice xmlns:v="urn:schemas-microsoft-com:vml" Requires="v">
-                <p:oleObj spid="_x0000_s57416" name="Формула" r:id="rId5" imgW="1612800" imgH="457200" progId="Equation.3">
+                <p:oleObj spid="_x0000_s57428" name="Формула" r:id="rId5" imgW="1612800" imgH="457200" progId="Equation.3">
                   <p:embed/>
                 </p:oleObj>
               </mc:Choice>
@@ -4179,7 +4347,7 @@
                     </p:blipFill>
                     <p:spPr bwMode="auto">
                       <a:xfrm>
-                        <a:off x="900113" y="2935288"/>
+                        <a:off x="900113" y="2288938"/>
                         <a:ext cx="3522662" cy="993775"/>
                       </a:xfrm>
                       <a:prstGeom prst="rect">
@@ -4225,20 +4393,20 @@
           <p:nvPr>
             <p:extLst>
               <p:ext uri="{D42A27DB-BD31-4B8C-83A1-F6EECF244321}">
-                <p14:modId xmlns:p14="http://schemas.microsoft.com/office/powerpoint/2010/main" val="3100697311"/>
+                <p14:modId xmlns:p14="http://schemas.microsoft.com/office/powerpoint/2010/main" val="226089638"/>
               </p:ext>
             </p:extLst>
           </p:nvPr>
         </p:nvGraphicFramePr>
         <p:xfrm>
-          <a:off x="6318250" y="1331913"/>
+          <a:off x="627647" y="5095923"/>
           <a:ext cx="336550" cy="403860"/>
         </p:xfrm>
         <a:graphic>
           <a:graphicData uri="http://schemas.openxmlformats.org/presentationml/2006/ole">
             <mc:AlternateContent xmlns:mc="http://schemas.openxmlformats.org/markup-compatibility/2006">
               <mc:Choice xmlns:v="urn:schemas-microsoft-com:vml" Requires="v">
-                <p:oleObj spid="_x0000_s57417" name="Формула" r:id="rId7" imgW="190440" imgH="228600" progId="Equation.3">
+                <p:oleObj spid="_x0000_s57429" name="Формула" r:id="rId7" imgW="190440" imgH="228600" progId="Equation.3">
                   <p:embed/>
                 </p:oleObj>
               </mc:Choice>
@@ -4259,7 +4427,7 @@
                     </p:blipFill>
                     <p:spPr>
                       <a:xfrm>
-                        <a:off x="6318250" y="1331913"/>
+                        <a:off x="627647" y="5095923"/>
                         <a:ext cx="336550" cy="403860"/>
                       </a:xfrm>
                       <a:prstGeom prst="rect">
@@ -4281,7 +4449,7 @@
         </p:nvSpPr>
         <p:spPr>
           <a:xfrm>
-            <a:off x="6261100" y="1357868"/>
+            <a:off x="574244" y="5107955"/>
             <a:ext cx="4527550" cy="646331"/>
           </a:xfrm>
           <a:prstGeom prst="rect">
@@ -4387,7 +4555,7 @@
         </p:nvSpPr>
         <p:spPr>
           <a:xfrm>
-            <a:off x="927100" y="2654300"/>
+            <a:off x="927100" y="2007950"/>
             <a:ext cx="3783536" cy="369332"/>
           </a:xfrm>
           <a:prstGeom prst="rect">
@@ -4425,7 +4593,7 @@
         </p:nvSpPr>
         <p:spPr>
           <a:xfrm>
-            <a:off x="6616700" y="2654300"/>
+            <a:off x="802720" y="3665003"/>
             <a:ext cx="2916504" cy="369332"/>
           </a:xfrm>
           <a:prstGeom prst="rect">
@@ -4456,20 +4624,20 @@
           <p:nvPr>
             <p:extLst>
               <p:ext uri="{D42A27DB-BD31-4B8C-83A1-F6EECF244321}">
-                <p14:modId xmlns:p14="http://schemas.microsoft.com/office/powerpoint/2010/main" val="1544707609"/>
+                <p14:modId xmlns:p14="http://schemas.microsoft.com/office/powerpoint/2010/main" val="1875578992"/>
               </p:ext>
             </p:extLst>
           </p:nvPr>
         </p:nvGraphicFramePr>
         <p:xfrm>
-          <a:off x="6616700" y="3076575"/>
+          <a:off x="802720" y="4087278"/>
           <a:ext cx="2135187" cy="939800"/>
         </p:xfrm>
         <a:graphic>
           <a:graphicData uri="http://schemas.openxmlformats.org/presentationml/2006/ole">
             <mc:AlternateContent xmlns:mc="http://schemas.openxmlformats.org/markup-compatibility/2006">
               <mc:Choice xmlns:v="urn:schemas-microsoft-com:vml" Requires="v">
-                <p:oleObj spid="_x0000_s57418" name="Формула" r:id="rId9" imgW="977760" imgH="431640" progId="Equation.3">
+                <p:oleObj spid="_x0000_s57430" name="Формула" r:id="rId9" imgW="977760" imgH="431640" progId="Equation.3">
                   <p:embed/>
                 </p:oleObj>
               </mc:Choice>
@@ -4493,7 +4661,7 @@
                     </p:blipFill>
                     <p:spPr bwMode="auto">
                       <a:xfrm>
-                        <a:off x="6616700" y="3076575"/>
+                        <a:off x="802720" y="4087278"/>
                         <a:ext cx="2135187" cy="939800"/>
                       </a:xfrm>
                       <a:prstGeom prst="rect">
@@ -4538,8 +4706,8 @@
         </p:nvSpPr>
         <p:spPr>
           <a:xfrm>
-            <a:off x="717550" y="4776857"/>
-            <a:ext cx="10756900" cy="1015663"/>
+            <a:off x="5987716" y="686146"/>
+            <a:ext cx="5901217" cy="1938992"/>
           </a:xfrm>
           <a:prstGeom prst="rect">
             <a:avLst/>
@@ -4552,14 +4720,63 @@
           </a:bodyPr>
           <a:lstStyle/>
           <a:p>
+            <a:pPr algn="just"/>
             <a:r>
               <a:rPr lang="ru-RU" sz="2000" dirty="0" smtClean="0"/>
-              <a:t>В задачах кластеризации текстов качество кластеризации можем косвенно оценить по наиболее частотным терминам, встречающимся в классе. Т.е. мы могли бы дать название каждому кластеру исходя из наиболее частотных терминов.</a:t>
+              <a:t>В задачах кластеризации текстов качество кластеризации можем косвенно оценить по наиболее частотным терминам, встречающимся в </a:t>
+            </a:r>
+            <a:r>
+              <a:rPr lang="ru-RU" sz="2000" dirty="0"/>
+              <a:t>классе («Облако тэгов</a:t>
+            </a:r>
+            <a:r>
+              <a:rPr lang="ru-RU" sz="2000" dirty="0" smtClean="0"/>
+              <a:t>»). </a:t>
+            </a:r>
+            <a:r>
+              <a:rPr lang="ru-RU" sz="2000" dirty="0" smtClean="0"/>
+              <a:t>Т.е. мы могли бы дать название каждому кластеру исходя из наиболее частотных </a:t>
+            </a:r>
+            <a:r>
+              <a:rPr lang="ru-RU" sz="2000" dirty="0" smtClean="0"/>
+              <a:t>терминов :</a:t>
             </a:r>
             <a:endParaRPr lang="ru-RU" sz="2000" dirty="0"/>
           </a:p>
         </p:txBody>
       </p:sp>
+      <p:pic>
+        <p:nvPicPr>
+          <p:cNvPr id="18" name="Рисунок 17"/>
+          <p:cNvPicPr/>
+          <p:nvPr/>
+        </p:nvPicPr>
+        <p:blipFill>
+          <a:blip r:embed="rId11" cstate="print"/>
+          <a:srcRect/>
+          <a:stretch>
+            <a:fillRect/>
+          </a:stretch>
+        </p:blipFill>
+        <p:spPr>
+          <a:xfrm>
+            <a:off x="7182853" y="2630109"/>
+            <a:ext cx="3813114" cy="3813114"/>
+          </a:xfrm>
+          <a:prstGeom prst="rect">
+            <a:avLst/>
+          </a:prstGeom>
+          <a:solidFill>
+            <a:srgbClr val="FFFFFF"/>
+          </a:solidFill>
+          <a:ln w="9525">
+            <a:noFill/>
+            <a:miter lim="800000"/>
+            <a:headEnd/>
+            <a:tailEnd/>
+          </a:ln>
+        </p:spPr>
+      </p:pic>
     </p:spTree>
     <p:extLst>
       <p:ext uri="{BB962C8B-B14F-4D97-AF65-F5344CB8AC3E}">
@@ -4666,7 +4883,11 @@
             </a:r>
             <a:r>
               <a:rPr lang="ru-RU" dirty="0" smtClean="0"/>
-              <a:t>, 2017</a:t>
+              <a:t>, </a:t>
+            </a:r>
+            <a:r>
+              <a:rPr lang="ru-RU" dirty="0" smtClean="0"/>
+              <a:t>2018</a:t>
             </a:r>
             <a:endParaRPr lang="ru-RU" dirty="0"/>
           </a:p>
@@ -5193,7 +5414,11 @@
             </a:r>
             <a:r>
               <a:rPr lang="ru-RU" dirty="0" smtClean="0"/>
-              <a:t>, 2017</a:t>
+              <a:t>, </a:t>
+            </a:r>
+            <a:r>
+              <a:rPr lang="ru-RU" dirty="0" smtClean="0"/>
+              <a:t>2018</a:t>
             </a:r>
             <a:endParaRPr lang="ru-RU" dirty="0"/>
           </a:p>
@@ -5686,7 +5911,7 @@
           <a:graphicData uri="http://schemas.openxmlformats.org/presentationml/2006/ole">
             <mc:AlternateContent xmlns:mc="http://schemas.openxmlformats.org/markup-compatibility/2006">
               <mc:Choice xmlns:v="urn:schemas-microsoft-com:vml" Requires="v">
-                <p:oleObj spid="_x0000_s58388" name="Формула" r:id="rId4" imgW="583920" imgH="241200" progId="Equation.3">
+                <p:oleObj spid="_x0000_s58390" name="Формула" r:id="rId4" imgW="583920" imgH="241200" progId="Equation.3">
                   <p:embed/>
                 </p:oleObj>
               </mc:Choice>
@@ -6526,7 +6751,11 @@
             </a:r>
             <a:r>
               <a:rPr lang="ru-RU" dirty="0" smtClean="0"/>
-              <a:t>, 2017</a:t>
+              <a:t>, </a:t>
+            </a:r>
+            <a:r>
+              <a:rPr lang="ru-RU" dirty="0" smtClean="0"/>
+              <a:t>2018</a:t>
             </a:r>
             <a:endParaRPr lang="ru-RU" dirty="0"/>
           </a:p>
@@ -9684,7 +9913,11 @@
             </a:r>
             <a:r>
               <a:rPr lang="ru-RU" dirty="0" smtClean="0"/>
-              <a:t>, 2017</a:t>
+              <a:t>, </a:t>
+            </a:r>
+            <a:r>
+              <a:rPr lang="ru-RU" dirty="0" smtClean="0"/>
+              <a:t>2018</a:t>
             </a:r>
             <a:endParaRPr lang="ru-RU" dirty="0"/>
           </a:p>
@@ -10199,7 +10432,11 @@
             </a:r>
             <a:r>
               <a:rPr lang="ru-RU" dirty="0" smtClean="0"/>
-              <a:t>, 2017</a:t>
+              <a:t>, </a:t>
+            </a:r>
+            <a:r>
+              <a:rPr lang="ru-RU" dirty="0" smtClean="0"/>
+              <a:t>2018</a:t>
             </a:r>
             <a:endParaRPr lang="ru-RU" dirty="0"/>
           </a:p>
@@ -10714,7 +10951,11 @@
             </a:r>
             <a:r>
               <a:rPr lang="ru-RU" dirty="0" smtClean="0"/>
-              <a:t>, 2017</a:t>
+              <a:t>, </a:t>
+            </a:r>
+            <a:r>
+              <a:rPr lang="ru-RU" dirty="0" smtClean="0"/>
+              <a:t>2018</a:t>
             </a:r>
             <a:endParaRPr lang="ru-RU" dirty="0"/>
           </a:p>
@@ -11229,7 +11470,11 @@
             </a:r>
             <a:r>
               <a:rPr lang="ru-RU" dirty="0" smtClean="0"/>
-              <a:t>, 2017</a:t>
+              <a:t>, </a:t>
+            </a:r>
+            <a:r>
+              <a:rPr lang="ru-RU" dirty="0" smtClean="0"/>
+              <a:t>2018</a:t>
             </a:r>
             <a:endParaRPr lang="ru-RU" dirty="0"/>
           </a:p>
@@ -12553,7 +12798,11 @@
             </a:r>
             <a:r>
               <a:rPr lang="ru-RU" dirty="0" smtClean="0"/>
-              <a:t>, 2017</a:t>
+              <a:t>, </a:t>
+            </a:r>
+            <a:r>
+              <a:rPr lang="ru-RU" dirty="0" smtClean="0"/>
+              <a:t>2018</a:t>
             </a:r>
             <a:endParaRPr lang="ru-RU" dirty="0"/>
           </a:p>
@@ -13058,7 +13307,11 @@
             </a:r>
             <a:r>
               <a:rPr lang="ru-RU" dirty="0" smtClean="0"/>
-              <a:t>, 2017</a:t>
+              <a:t>, </a:t>
+            </a:r>
+            <a:r>
+              <a:rPr lang="ru-RU" dirty="0" smtClean="0"/>
+              <a:t>2018</a:t>
             </a:r>
             <a:endParaRPr lang="ru-RU" dirty="0"/>
           </a:p>
@@ -15032,7 +15285,11 @@
             </a:r>
             <a:r>
               <a:rPr lang="ru-RU" dirty="0" smtClean="0"/>
-              <a:t>, 2017</a:t>
+              <a:t>, </a:t>
+            </a:r>
+            <a:r>
+              <a:rPr lang="ru-RU" dirty="0" smtClean="0"/>
+              <a:t>2018</a:t>
             </a:r>
             <a:endParaRPr lang="ru-RU" dirty="0"/>
           </a:p>
@@ -15541,7 +15798,11 @@
             </a:r>
             <a:r>
               <a:rPr lang="ru-RU" dirty="0" smtClean="0"/>
-              <a:t>, 2017</a:t>
+              <a:t>, </a:t>
+            </a:r>
+            <a:r>
+              <a:rPr lang="ru-RU" dirty="0" smtClean="0"/>
+              <a:t>2018</a:t>
             </a:r>
             <a:endParaRPr lang="ru-RU" dirty="0"/>
           </a:p>
@@ -15758,7 +16019,11 @@
             </a:r>
             <a:r>
               <a:rPr lang="ru-RU" dirty="0" smtClean="0"/>
-              <a:t>, 2017</a:t>
+              <a:t>, </a:t>
+            </a:r>
+            <a:r>
+              <a:rPr lang="ru-RU" dirty="0" smtClean="0"/>
+              <a:t>2018</a:t>
             </a:r>
             <a:endParaRPr lang="ru-RU" dirty="0"/>
           </a:p>
@@ -15968,7 +16233,11 @@
             </a:r>
             <a:r>
               <a:rPr lang="ru-RU" dirty="0" smtClean="0"/>
-              <a:t>, 2017</a:t>
+              <a:t>, </a:t>
+            </a:r>
+            <a:r>
+              <a:rPr lang="ru-RU" dirty="0" smtClean="0"/>
+              <a:t>2018</a:t>
             </a:r>
             <a:endParaRPr lang="ru-RU" dirty="0"/>
           </a:p>
@@ -16514,7 +16783,11 @@
             </a:r>
             <a:r>
               <a:rPr lang="ru-RU" dirty="0" smtClean="0"/>
-              <a:t>, 2017</a:t>
+              <a:t>, </a:t>
+            </a:r>
+            <a:r>
+              <a:rPr lang="ru-RU" dirty="0" smtClean="0"/>
+              <a:t>2018</a:t>
             </a:r>
             <a:endParaRPr lang="ru-RU" dirty="0"/>
           </a:p>
@@ -16950,7 +17223,11 @@
             </a:r>
             <a:r>
               <a:rPr lang="ru-RU" dirty="0" smtClean="0"/>
-              <a:t>, 2017</a:t>
+              <a:t>, </a:t>
+            </a:r>
+            <a:r>
+              <a:rPr lang="ru-RU" dirty="0" smtClean="0"/>
+              <a:t>2018</a:t>
             </a:r>
             <a:endParaRPr lang="ru-RU" dirty="0"/>
           </a:p>
@@ -17382,7 +17659,11 @@
             </a:r>
             <a:r>
               <a:rPr lang="ru-RU" dirty="0" smtClean="0"/>
-              <a:t>, 2017</a:t>
+              <a:t>, </a:t>
+            </a:r>
+            <a:r>
+              <a:rPr lang="ru-RU" dirty="0" smtClean="0"/>
+              <a:t>2018</a:t>
             </a:r>
             <a:endParaRPr lang="ru-RU" dirty="0"/>
           </a:p>
@@ -17815,7 +18096,11 @@
             </a:r>
             <a:r>
               <a:rPr lang="ru-RU" dirty="0" smtClean="0"/>
-              <a:t>, 2017</a:t>
+              <a:t>, </a:t>
+            </a:r>
+            <a:r>
+              <a:rPr lang="ru-RU" dirty="0" smtClean="0"/>
+              <a:t>2018</a:t>
             </a:r>
             <a:endParaRPr lang="ru-RU" dirty="0"/>
           </a:p>
@@ -18196,7 +18481,11 @@
             </a:r>
             <a:r>
               <a:rPr lang="ru-RU" dirty="0" smtClean="0"/>
-              <a:t>, 2017</a:t>
+              <a:t>, </a:t>
+            </a:r>
+            <a:r>
+              <a:rPr lang="ru-RU" dirty="0" smtClean="0"/>
+              <a:t>2018</a:t>
             </a:r>
             <a:endParaRPr lang="ru-RU" dirty="0"/>
           </a:p>
@@ -18656,7 +18945,7 @@
           <a:graphicData uri="http://schemas.openxmlformats.org/presentationml/2006/ole">
             <mc:AlternateContent xmlns:mc="http://schemas.openxmlformats.org/markup-compatibility/2006">
               <mc:Choice xmlns:v="urn:schemas-microsoft-com:vml" Requires="v">
-                <p:oleObj spid="_x0000_s56340" name="Формула" r:id="rId3" imgW="203040" imgH="253800" progId="Equation.3">
+                <p:oleObj spid="_x0000_s56342" name="Формула" r:id="rId3" imgW="203040" imgH="253800" progId="Equation.3">
                   <p:embed/>
                 </p:oleObj>
               </mc:Choice>
@@ -18804,7 +19093,11 @@
             </a:r>
             <a:r>
               <a:rPr lang="ru-RU" dirty="0" smtClean="0"/>
-              <a:t>, 2017</a:t>
+              <a:t>, </a:t>
+            </a:r>
+            <a:r>
+              <a:rPr lang="ru-RU" dirty="0" smtClean="0"/>
+              <a:t>2018</a:t>
             </a:r>
             <a:endParaRPr lang="ru-RU" dirty="0"/>
           </a:p>
@@ -19108,7 +19401,15 @@
           <a:p>
             <a:r>
               <a:rPr lang="ru-RU" sz="2400" dirty="0" smtClean="0"/>
-              <a:t>Решение задачи классификации принципиально неоднозначно:</a:t>
+              <a:t>Решение задачи </a:t>
+            </a:r>
+            <a:r>
+              <a:rPr lang="ru-RU" sz="2400" dirty="0" smtClean="0"/>
+              <a:t>кластеризации принципиально </a:t>
+            </a:r>
+            <a:r>
+              <a:rPr lang="ru-RU" sz="2400" dirty="0" smtClean="0"/>
+              <a:t>неоднозначно:</a:t>
             </a:r>
           </a:p>
           <a:p>
@@ -19291,7 +19592,11 @@
             </a:r>
             <a:r>
               <a:rPr lang="ru-RU" dirty="0" smtClean="0"/>
-              <a:t>, 2017</a:t>
+              <a:t>, </a:t>
+            </a:r>
+            <a:r>
+              <a:rPr lang="ru-RU" dirty="0" smtClean="0"/>
+              <a:t>2018</a:t>
             </a:r>
             <a:endParaRPr lang="ru-RU" dirty="0"/>
           </a:p>
@@ -19778,7 +20083,11 @@
             </a:r>
             <a:r>
               <a:rPr lang="ru-RU" dirty="0" smtClean="0"/>
-              <a:t>, 2017</a:t>
+              <a:t>, </a:t>
+            </a:r>
+            <a:r>
+              <a:rPr lang="ru-RU" dirty="0" smtClean="0"/>
+              <a:t>2018</a:t>
             </a:r>
             <a:endParaRPr lang="ru-RU" dirty="0"/>
           </a:p>
@@ -20227,7 +20536,11 @@
             </a:r>
             <a:r>
               <a:rPr lang="ru-RU" dirty="0" smtClean="0"/>
-              <a:t>, 2017</a:t>
+              <a:t>, </a:t>
+            </a:r>
+            <a:r>
+              <a:rPr lang="ru-RU" dirty="0" smtClean="0"/>
+              <a:t>2018</a:t>
             </a:r>
             <a:endParaRPr lang="ru-RU" dirty="0"/>
           </a:p>
@@ -20676,7 +20989,11 @@
             </a:r>
             <a:r>
               <a:rPr lang="ru-RU" dirty="0" smtClean="0"/>
-              <a:t>, 2017</a:t>
+              <a:t>, </a:t>
+            </a:r>
+            <a:r>
+              <a:rPr lang="ru-RU" dirty="0" smtClean="0"/>
+              <a:t>2018</a:t>
             </a:r>
             <a:endParaRPr lang="ru-RU" dirty="0"/>
           </a:p>
@@ -21169,7 +21486,11 @@
             </a:r>
             <a:r>
               <a:rPr lang="ru-RU" dirty="0" smtClean="0"/>
-              <a:t>, 2017</a:t>
+              <a:t>, </a:t>
+            </a:r>
+            <a:r>
+              <a:rPr lang="ru-RU" dirty="0" smtClean="0"/>
+              <a:t>2018</a:t>
             </a:r>
             <a:endParaRPr lang="ru-RU" dirty="0"/>
           </a:p>
@@ -21602,13 +21923,8 @@
           <a:p>
             <a:r>
               <a:rPr lang="ru-RU" dirty="0" smtClean="0"/>
-              <a:t>А – </a:t>
-            </a:r>
-            <a:r>
-              <a:rPr lang="ru-RU" dirty="0" smtClean="0"/>
-              <a:t>девушки</a:t>
-            </a:r>
-            <a:endParaRPr lang="ru-RU" dirty="0" smtClean="0"/>
+              <a:t>А – девушки</a:t>
+            </a:r>
           </a:p>
           <a:p>
             <a:r>
@@ -21617,11 +21933,7 @@
             </a:r>
             <a:r>
               <a:rPr lang="ru-RU" dirty="0" smtClean="0"/>
-              <a:t> </a:t>
-            </a:r>
-            <a:r>
-              <a:rPr lang="ru-RU" dirty="0" smtClean="0"/>
-              <a:t>– молодые люди</a:t>
+              <a:t> – молодые люди</a:t>
             </a:r>
             <a:endParaRPr lang="ru-RU" dirty="0"/>
           </a:p>
